--- a/PROYECTO COMPLETO/CEMENTERIO PROYECTO GBDD.pptx
+++ b/PROYECTO COMPLETO/CEMENTERIO PROYECTO GBDD.pptx
@@ -11268,7 +11268,7 @@
         <p:spPr>
           <a:xfrm>
             <a:off x="1446860" y="1499560"/>
-            <a:ext cx="9298279" cy="646331"/>
+            <a:ext cx="9298279" cy="369332"/>
           </a:xfrm>
           <a:prstGeom prst="rect">
             <a:avLst/>
@@ -11335,7 +11335,7 @@
                 <a:effectLst/>
                 <a:latin typeface="Times New Roman" panose="02020603050405020304" pitchFamily="18" charset="0"/>
               </a:rPr>
-              <a:t> que muestre en un gráfico de torta los diferentes tipos de animales que se han atendido en el centro.</a:t>
+              <a:t> que muestre el total de muerte por causa</a:t>
             </a:r>
             <a:endParaRPr kumimoji="0" lang="es-EC" sz="1800" b="0" i="0" u="none" strike="noStrike" kern="1200" cap="none" spc="0" normalizeH="0" baseline="0" noProof="0" dirty="0">
               <a:ln>
@@ -12091,9 +12091,27 @@
                 <a:ea typeface="+mn-ea"/>
                 <a:cs typeface="+mn-cs"/>
               </a:rPr>
-              <a:t>Enlace: https://github.com/xELDIEGOx/BDCEMENTERIO.git</a:t>
-            </a:r>
-            <a:endParaRPr kumimoji="0" lang="es-MX" sz="2800" b="0" i="0" u="none" strike="noStrike" kern="1200" cap="none" spc="0" normalizeH="0" baseline="0" noProof="0" dirty="0">
+              <a:t>Enlace: </a:t>
+            </a:r>
+            <a:r>
+              <a:rPr kumimoji="0" lang="es-MX" sz="2800" b="1" i="0" u="none" strike="noStrike" kern="1200" cap="none" spc="0" normalizeH="0" baseline="0" noProof="0" dirty="0">
+                <a:ln>
+                  <a:noFill/>
+                </a:ln>
+                <a:solidFill>
+                  <a:prstClr val="black"/>
+                </a:solidFill>
+                <a:effectLst/>
+                <a:uLnTx/>
+                <a:uFillTx/>
+                <a:latin typeface="Calibri" panose="020F0502020204030204"/>
+                <a:ea typeface="+mn-ea"/>
+                <a:cs typeface="+mn-cs"/>
+                <a:hlinkClick r:id="rId4"/>
+              </a:rPr>
+              <a:t>https://github.com/xELDIEGOx/BDCEMENTERIO.git</a:t>
+            </a:r>
+            <a:endParaRPr kumimoji="0" lang="es-MX" sz="2800" b="1" i="0" u="none" strike="noStrike" kern="1200" cap="none" spc="0" normalizeH="0" baseline="0" noProof="0" dirty="0">
               <a:ln>
                 <a:noFill/>
               </a:ln>
@@ -12112,10 +12130,10 @@
       </p:sp>
       <p:pic>
         <p:nvPicPr>
-          <p:cNvPr id="4" name="Imagen 3">
+          <p:cNvPr id="5" name="Imagen 4">
             <a:extLst>
               <a:ext uri="{FF2B5EF4-FFF2-40B4-BE49-F238E27FC236}">
-                <a16:creationId xmlns:a16="http://schemas.microsoft.com/office/drawing/2014/main" id="{EA12987C-BB3A-AB64-818C-CD2B40DC2C37}"/>
+                <a16:creationId xmlns:a16="http://schemas.microsoft.com/office/drawing/2014/main" id="{D63DE36C-9184-C9E8-C503-70CF10668D52}"/>
               </a:ext>
             </a:extLst>
           </p:cNvPr>
@@ -12125,15 +12143,15 @@
           <p:nvPr/>
         </p:nvPicPr>
         <p:blipFill>
-          <a:blip r:embed="rId4"/>
+          <a:blip r:embed="rId5"/>
           <a:stretch>
             <a:fillRect/>
           </a:stretch>
         </p:blipFill>
         <p:spPr>
           <a:xfrm>
-            <a:off x="1606752" y="3062876"/>
-            <a:ext cx="8670616" cy="2810023"/>
+            <a:off x="2128377" y="2888224"/>
+            <a:ext cx="8067234" cy="3591722"/>
           </a:xfrm>
           <a:prstGeom prst="rect">
             <a:avLst/>
